--- a/docs/report/weeklyReport-Aug26.pptx
+++ b/docs/report/weeklyReport-Aug26.pptx
@@ -5,15 +5,16 @@
     <p:sldMasterId id="2147483648" r:id="rId1"/>
   </p:sldMasterIdLst>
   <p:notesMasterIdLst>
-    <p:notesMasterId r:id="rId8"/>
+    <p:notesMasterId r:id="rId9"/>
   </p:notesMasterIdLst>
   <p:sldIdLst>
     <p:sldId id="256" r:id="rId2"/>
     <p:sldId id="257" r:id="rId3"/>
-    <p:sldId id="260" r:id="rId4"/>
-    <p:sldId id="261" r:id="rId5"/>
-    <p:sldId id="258" r:id="rId6"/>
-    <p:sldId id="259" r:id="rId7"/>
+    <p:sldId id="262" r:id="rId4"/>
+    <p:sldId id="260" r:id="rId5"/>
+    <p:sldId id="261" r:id="rId6"/>
+    <p:sldId id="258" r:id="rId7"/>
+    <p:sldId id="259" r:id="rId8"/>
   </p:sldIdLst>
   <p:sldSz cx="12192000" cy="6858000"/>
   <p:notesSz cx="6858000" cy="9144000"/>
@@ -534,7 +535,7 @@
           <a:p>
             <a:fld id="{2A749966-0688-574F-BA5B-0E4DF130C036}" type="slidenum">
               <a:rPr lang="en-US" smtClean="0"/>
-              <a:t>3</a:t>
+              <a:t>4</a:t>
             </a:fld>
             <a:endParaRPr lang="en-US"/>
           </a:p>
@@ -700,7 +701,7 @@
           <a:p>
             <a:fld id="{EF893C16-6BD8-BD4E-8EAC-C4B21067BB56}" type="datetimeFigureOut">
               <a:rPr lang="en-US" smtClean="0"/>
-              <a:t>8/25/19</a:t>
+              <a:t>8/26/19</a:t>
             </a:fld>
             <a:endParaRPr lang="en-US"/>
           </a:p>
@@ -898,7 +899,7 @@
           <a:p>
             <a:fld id="{EF893C16-6BD8-BD4E-8EAC-C4B21067BB56}" type="datetimeFigureOut">
               <a:rPr lang="en-US" smtClean="0"/>
-              <a:t>8/25/19</a:t>
+              <a:t>8/26/19</a:t>
             </a:fld>
             <a:endParaRPr lang="en-US"/>
           </a:p>
@@ -1106,7 +1107,7 @@
           <a:p>
             <a:fld id="{EF893C16-6BD8-BD4E-8EAC-C4B21067BB56}" type="datetimeFigureOut">
               <a:rPr lang="en-US" smtClean="0"/>
-              <a:t>8/25/19</a:t>
+              <a:t>8/26/19</a:t>
             </a:fld>
             <a:endParaRPr lang="en-US"/>
           </a:p>
@@ -1304,7 +1305,7 @@
           <a:p>
             <a:fld id="{EF893C16-6BD8-BD4E-8EAC-C4B21067BB56}" type="datetimeFigureOut">
               <a:rPr lang="en-US" smtClean="0"/>
-              <a:t>8/25/19</a:t>
+              <a:t>8/26/19</a:t>
             </a:fld>
             <a:endParaRPr lang="en-US"/>
           </a:p>
@@ -1579,7 +1580,7 @@
           <a:p>
             <a:fld id="{EF893C16-6BD8-BD4E-8EAC-C4B21067BB56}" type="datetimeFigureOut">
               <a:rPr lang="en-US" smtClean="0"/>
-              <a:t>8/25/19</a:t>
+              <a:t>8/26/19</a:t>
             </a:fld>
             <a:endParaRPr lang="en-US"/>
           </a:p>
@@ -1844,7 +1845,7 @@
           <a:p>
             <a:fld id="{EF893C16-6BD8-BD4E-8EAC-C4B21067BB56}" type="datetimeFigureOut">
               <a:rPr lang="en-US" smtClean="0"/>
-              <a:t>8/25/19</a:t>
+              <a:t>8/26/19</a:t>
             </a:fld>
             <a:endParaRPr lang="en-US"/>
           </a:p>
@@ -2256,7 +2257,7 @@
           <a:p>
             <a:fld id="{EF893C16-6BD8-BD4E-8EAC-C4B21067BB56}" type="datetimeFigureOut">
               <a:rPr lang="en-US" smtClean="0"/>
-              <a:t>8/25/19</a:t>
+              <a:t>8/26/19</a:t>
             </a:fld>
             <a:endParaRPr lang="en-US"/>
           </a:p>
@@ -2397,7 +2398,7 @@
           <a:p>
             <a:fld id="{EF893C16-6BD8-BD4E-8EAC-C4B21067BB56}" type="datetimeFigureOut">
               <a:rPr lang="en-US" smtClean="0"/>
-              <a:t>8/25/19</a:t>
+              <a:t>8/26/19</a:t>
             </a:fld>
             <a:endParaRPr lang="en-US"/>
           </a:p>
@@ -2510,7 +2511,7 @@
           <a:p>
             <a:fld id="{EF893C16-6BD8-BD4E-8EAC-C4B21067BB56}" type="datetimeFigureOut">
               <a:rPr lang="en-US" smtClean="0"/>
-              <a:t>8/25/19</a:t>
+              <a:t>8/26/19</a:t>
             </a:fld>
             <a:endParaRPr lang="en-US"/>
           </a:p>
@@ -2821,7 +2822,7 @@
           <a:p>
             <a:fld id="{EF893C16-6BD8-BD4E-8EAC-C4B21067BB56}" type="datetimeFigureOut">
               <a:rPr lang="en-US" smtClean="0"/>
-              <a:t>8/25/19</a:t>
+              <a:t>8/26/19</a:t>
             </a:fld>
             <a:endParaRPr lang="en-US"/>
           </a:p>
@@ -3109,7 +3110,7 @@
           <a:p>
             <a:fld id="{EF893C16-6BD8-BD4E-8EAC-C4B21067BB56}" type="datetimeFigureOut">
               <a:rPr lang="en-US" smtClean="0"/>
-              <a:t>8/25/19</a:t>
+              <a:t>8/26/19</a:t>
             </a:fld>
             <a:endParaRPr lang="en-US"/>
           </a:p>
@@ -3350,7 +3351,7 @@
           <a:p>
             <a:fld id="{EF893C16-6BD8-BD4E-8EAC-C4B21067BB56}" type="datetimeFigureOut">
               <a:rPr lang="en-US" smtClean="0"/>
-              <a:t>8/25/19</a:t>
+              <a:t>8/26/19</a:t>
             </a:fld>
             <a:endParaRPr lang="en-US"/>
           </a:p>
@@ -3974,7 +3975,7 @@
           <a:p>
             <a:r>
               <a:rPr lang="en-US" dirty="0"/>
-              <a:t>Scheme</a:t>
+              <a:t>Cases</a:t>
             </a:r>
           </a:p>
         </p:txBody>
@@ -3998,159 +3999,127 @@
         <p:spPr/>
         <p:txBody>
           <a:bodyPr>
-            <a:normAutofit fontScale="92500" lnSpcReduction="10000"/>
+            <a:normAutofit fontScale="47500" lnSpcReduction="20000"/>
           </a:bodyPr>
           <a:lstStyle/>
           <a:p>
-            <a:r>
-              <a:rPr lang="en-US" sz="2600" dirty="0"/>
-              <a:t>Build scene graph from the input text. </a:t>
-            </a:r>
-            <a:r>
-              <a:rPr lang="en-US" sz="1800" dirty="0"/>
-              <a:t>Subject-action-object triplets are captured based on the dependency tree. The associated properties may not necessarily be same as the ones in the database because of the variety of phrasing.</a:t>
-            </a:r>
-            <a:endParaRPr lang="en-US" sz="2000" dirty="0"/>
-          </a:p>
-          <a:p>
-            <a:r>
-              <a:rPr lang="en-US" sz="2600" dirty="0"/>
-              <a:t>Entity grounding. </a:t>
-            </a:r>
-            <a:r>
-              <a:rPr lang="en-US" sz="1800" dirty="0"/>
-              <a:t>Bind each noun to an entity keyword in the database</a:t>
-            </a:r>
-            <a:r>
-              <a:rPr lang="en-US" sz="2000" dirty="0"/>
-              <a:t>. </a:t>
-            </a:r>
-            <a:r>
-              <a:rPr lang="en-US" sz="1800" dirty="0"/>
-              <a:t>Properties (subject or object) are determined according to the priors. Triplets are thereupon rectified. </a:t>
-            </a:r>
-            <a:r>
-              <a:rPr lang="en-US" sz="1800" dirty="0" err="1"/>
-              <a:t>GloVe</a:t>
-            </a:r>
-            <a:r>
-              <a:rPr lang="en-US" sz="1800" dirty="0"/>
-              <a:t> is used to measure similarity.</a:t>
-            </a:r>
-          </a:p>
-          <a:p>
-            <a:r>
-              <a:rPr lang="en-US" sz="2400" dirty="0"/>
-              <a:t>Action intension detection. </a:t>
-            </a:r>
-            <a:r>
-              <a:rPr lang="en-US" sz="1800" dirty="0"/>
-              <a:t>Determine if a verb involves a strong or weak interaction, based on the priors.</a:t>
-            </a:r>
-            <a:endParaRPr lang="en-US" sz="2000" dirty="0"/>
-          </a:p>
-          <a:p>
-            <a:r>
-              <a:rPr lang="en-US" sz="2400" dirty="0"/>
-              <a:t>Combination enumeration</a:t>
-            </a:r>
-          </a:p>
-          <a:p>
-            <a:pPr lvl="1"/>
-            <a:r>
-              <a:rPr lang="en-US" sz="1800" b="1" dirty="0"/>
-              <a:t>Subjects</a:t>
-            </a:r>
-            <a:r>
-              <a:rPr lang="en-US" sz="1800" dirty="0"/>
-              <a:t>: Two or more character subjects can be grouped.</a:t>
-            </a:r>
-          </a:p>
-          <a:p>
-            <a:pPr marL="693738" lvl="1" indent="-236538"/>
-            <a:r>
-              <a:rPr lang="en-US" sz="1600" b="1" dirty="0"/>
-              <a:t>Objects</a:t>
-            </a:r>
-            <a:r>
-              <a:rPr lang="en-US" sz="1600" dirty="0"/>
-              <a:t>: Objects associated with strong interactions are bound with their subjects while objects associated with weak interactions can be exchanged to another subjects. </a:t>
-            </a:r>
-          </a:p>
-          <a:p>
-            <a:r>
-              <a:rPr lang="en-US" sz="2400" dirty="0"/>
-              <a:t>Propose layer candidates. </a:t>
-            </a:r>
-            <a:r>
-              <a:rPr lang="en-US" sz="1800" dirty="0"/>
-              <a:t>For each triplet (or group), find several layers in the database containing all or part of the mentioned entities, ranked by entity sets </a:t>
-            </a:r>
-            <a:r>
-              <a:rPr lang="en-US" sz="1800" dirty="0" err="1"/>
-              <a:t>mIoU</a:t>
-            </a:r>
-            <a:r>
-              <a:rPr lang="en-US" sz="1800" dirty="0"/>
-              <a:t>, verb relatedness and keyword frequency priors. </a:t>
-            </a:r>
-            <a:r>
-              <a:rPr lang="en-US" sz="1800" dirty="0" err="1"/>
-              <a:t>ConceptNet</a:t>
-            </a:r>
-            <a:r>
-              <a:rPr lang="en-US" sz="1800" dirty="0"/>
-              <a:t> is utilized.</a:t>
-            </a:r>
-          </a:p>
-          <a:p>
-            <a:r>
-              <a:rPr lang="en-US" sz="2400" dirty="0"/>
-              <a:t>Global optimization. </a:t>
-            </a:r>
-            <a:r>
-              <a:rPr lang="en-US" sz="1800" dirty="0"/>
-              <a:t>Find the layer combination with maximized inter-category layer relatedness, based on the collocates in the picture base. This step can be replaced by a picture reasonability discriminator.</a:t>
-            </a:r>
-          </a:p>
-        </p:txBody>
-      </p:sp>
-      <p:sp>
-        <p:nvSpPr>
-          <p:cNvPr id="4" name="TextBox 3">
-            <a:extLst>
-              <a:ext uri="{FF2B5EF4-FFF2-40B4-BE49-F238E27FC236}">
-                <a16:creationId xmlns:a16="http://schemas.microsoft.com/office/drawing/2014/main" id="{34F16B8E-D0D1-8D44-A300-75C053149082}"/>
-              </a:ext>
-            </a:extLst>
-          </p:cNvPr>
-          <p:cNvSpPr txBox="1"/>
-          <p:nvPr/>
-        </p:nvSpPr>
-        <p:spPr>
-          <a:xfrm>
-            <a:off x="2248525" y="6985416"/>
-            <a:ext cx="184731" cy="369332"/>
-          </a:xfrm>
-          <a:prstGeom prst="rect">
-            <a:avLst/>
-          </a:prstGeom>
-          <a:noFill/>
-        </p:spPr>
-        <p:txBody>
-          <a:bodyPr wrap="none" rtlCol="0">
-            <a:spAutoFit/>
-          </a:bodyPr>
-          <a:lstStyle/>
-          <a:p>
-            <a:endParaRPr lang="en-US" dirty="0"/>
+            <a:pPr lvl="0"/>
+            <a:r>
+              <a:rPr lang="en-US" dirty="0"/>
+              <a:t>A man is standing in front of trees and signs.</a:t>
+            </a:r>
+          </a:p>
+          <a:p>
+            <a:pPr lvl="0"/>
+            <a:r>
+              <a:rPr lang="en-US" dirty="0"/>
+              <a:t>A man is walking with some paper in his hand.</a:t>
+            </a:r>
+          </a:p>
+          <a:p>
+            <a:pPr lvl="0"/>
+            <a:r>
+              <a:rPr lang="en-US" dirty="0"/>
+              <a:t>A woman is writing on a piece of paper with a pen</a:t>
+            </a:r>
+          </a:p>
+          <a:p>
+            <a:pPr lvl="0"/>
+            <a:r>
+              <a:rPr lang="en-US" dirty="0"/>
+              <a:t>A woman is running over hurdles.</a:t>
+            </a:r>
+          </a:p>
+          <a:p>
+            <a:pPr lvl="0"/>
+            <a:r>
+              <a:rPr lang="en-US" dirty="0"/>
+              <a:t>A man is standing and a woman is sitting with a computer to transfer money.</a:t>
+            </a:r>
+          </a:p>
+          <a:p>
+            <a:pPr lvl="0"/>
+            <a:r>
+              <a:rPr lang="en-US" dirty="0"/>
+              <a:t>A woman is walking in front of three windmills</a:t>
+            </a:r>
+          </a:p>
+          <a:p>
+            <a:pPr lvl="0"/>
+            <a:r>
+              <a:rPr lang="en-US" dirty="0"/>
+              <a:t>A man is fishing on the lake.</a:t>
+            </a:r>
+          </a:p>
+          <a:p>
+            <a:pPr lvl="0"/>
+            <a:r>
+              <a:rPr lang="en-US" dirty="0"/>
+              <a:t>A woman takes pictures under the tree</a:t>
+            </a:r>
+          </a:p>
+          <a:p>
+            <a:pPr lvl="0"/>
+            <a:r>
+              <a:rPr lang="en-US" dirty="0"/>
+              <a:t>A woman sits in the room and uses her computer.</a:t>
+            </a:r>
+          </a:p>
+          <a:p>
+            <a:pPr lvl="0"/>
+            <a:r>
+              <a:rPr lang="en-US" dirty="0"/>
+              <a:t>A woman is standing in a text message</a:t>
+            </a:r>
+          </a:p>
+          <a:p>
+            <a:pPr lvl="0"/>
+            <a:r>
+              <a:rPr lang="en-US" dirty="0"/>
+              <a:t>A couple were lying on the beach sunning themselves.</a:t>
+            </a:r>
+          </a:p>
+          <a:p>
+            <a:pPr lvl="0"/>
+            <a:r>
+              <a:rPr lang="en-US" dirty="0"/>
+              <a:t>A man is lying watching a movie.</a:t>
+            </a:r>
+          </a:p>
+          <a:p>
+            <a:pPr lvl="0"/>
+            <a:r>
+              <a:rPr lang="en-US" dirty="0"/>
+              <a:t>Three women are sitting on the sofa eating pizza.</a:t>
+            </a:r>
+          </a:p>
+          <a:p>
+            <a:pPr lvl="0"/>
+            <a:r>
+              <a:rPr lang="en-US" dirty="0"/>
+              <a:t>A woman is standing by a tree with a mobile phone</a:t>
+            </a:r>
+          </a:p>
+          <a:p>
+            <a:pPr lvl="0"/>
+            <a:r>
+              <a:rPr lang="en-US" dirty="0"/>
+              <a:t>a man is exercising</a:t>
+            </a:r>
+          </a:p>
+          <a:p>
+            <a:pPr lvl="0"/>
+            <a:r>
+              <a:rPr lang="en-US" dirty="0"/>
+              <a:t>a woman is exercising</a:t>
+            </a:r>
           </a:p>
         </p:txBody>
       </p:sp>
     </p:spTree>
     <p:extLst>
       <p:ext uri="{BB962C8B-B14F-4D97-AF65-F5344CB8AC3E}">
-        <p14:creationId xmlns:p14="http://schemas.microsoft.com/office/powerpoint/2010/main" val="867404721"/>
+        <p14:creationId xmlns:p14="http://schemas.microsoft.com/office/powerpoint/2010/main" val="3217211049"/>
       </p:ext>
     </p:extLst>
   </p:cSld>
@@ -4200,7 +4169,7 @@
           <a:p>
             <a:r>
               <a:rPr lang="en-US" dirty="0"/>
-              <a:t>Problem</a:t>
+              <a:t>Scheme</a:t>
             </a:r>
           </a:p>
         </p:txBody>
@@ -4223,55 +4192,164 @@
         </p:nvSpPr>
         <p:spPr/>
         <p:txBody>
-          <a:bodyPr/>
-          <a:lstStyle/>
-          <a:p>
-            <a:r>
-              <a:rPr lang="en-US" dirty="0"/>
-              <a:t>Entities in the description are not included in the layer base. </a:t>
-            </a:r>
-          </a:p>
-          <a:p>
-            <a:pPr>
-              <a:tabLst>
-                <a:tab pos="3990975" algn="l"/>
-              </a:tabLst>
-            </a:pPr>
-            <a:r>
-              <a:rPr lang="en-US" dirty="0"/>
-              <a:t>Entities in the picture are not mentioned in the description. Background and most accessories will never be explicitly mentioned. </a:t>
-            </a:r>
-          </a:p>
-          <a:p>
-            <a:r>
-              <a:rPr lang="en-US" dirty="0"/>
-              <a:t>Tokens referring to the same object mismatch when binding words in description to keywords</a:t>
-            </a:r>
-          </a:p>
-          <a:p>
-            <a:r>
-              <a:rPr lang="en-US" dirty="0"/>
-              <a:t>Improper partition. Whether or not to group two entities in the same layer is ambiguous.</a:t>
-            </a:r>
-          </a:p>
-          <a:p>
-            <a:r>
-              <a:rPr lang="en-US" dirty="0"/>
-              <a:t>Measure word not considered</a:t>
-            </a:r>
-          </a:p>
-          <a:p>
-            <a:r>
-              <a:rPr lang="en-US" dirty="0"/>
-              <a:t>Query efficiency</a:t>
-            </a:r>
+          <a:bodyPr>
+            <a:normAutofit fontScale="92500" lnSpcReduction="10000"/>
+          </a:bodyPr>
+          <a:lstStyle/>
+          <a:p>
+            <a:r>
+              <a:rPr lang="en-US" sz="2400" dirty="0"/>
+              <a:t>Build scene graph from the input text. </a:t>
+            </a:r>
+            <a:r>
+              <a:rPr lang="en-US" sz="1800" dirty="0"/>
+              <a:t>Subject-action-object triplets are captured based on the dependency tree. The associated properties may not necessarily be same as the ones in the database because of the variety of phrasing.</a:t>
+            </a:r>
+            <a:endParaRPr lang="en-US" sz="2000" dirty="0"/>
+          </a:p>
+          <a:p>
+            <a:r>
+              <a:rPr lang="en-US" sz="2400" dirty="0"/>
+              <a:t>Entity grounding. </a:t>
+            </a:r>
+            <a:r>
+              <a:rPr lang="en-US" sz="1800" dirty="0"/>
+              <a:t>Bind each noun to an entity keyword in the database</a:t>
+            </a:r>
+            <a:r>
+              <a:rPr lang="en-US" sz="2000" dirty="0"/>
+              <a:t>. </a:t>
+            </a:r>
+            <a:r>
+              <a:rPr lang="en-US" sz="1800" dirty="0"/>
+              <a:t>Properties (subject or object) are determined according to the priors. Triplets are thereupon rectified. </a:t>
+            </a:r>
+            <a:r>
+              <a:rPr lang="en-US" sz="1800" dirty="0" err="1"/>
+              <a:t>GloVe</a:t>
+            </a:r>
+            <a:r>
+              <a:rPr lang="en-US" sz="1800" dirty="0"/>
+              <a:t> is used to measure similarity.</a:t>
+            </a:r>
+          </a:p>
+          <a:p>
+            <a:r>
+              <a:rPr lang="en-US" sz="2400" dirty="0"/>
+              <a:t>Action intension detection. </a:t>
+            </a:r>
+            <a:r>
+              <a:rPr lang="en-US" sz="1800" dirty="0"/>
+              <a:t>Determine if a verb involves a strong or weak interaction, based on the priors.</a:t>
+            </a:r>
+            <a:endParaRPr lang="en-US" sz="2000" dirty="0"/>
+          </a:p>
+          <a:p>
+            <a:r>
+              <a:rPr lang="en-US" sz="2400" dirty="0"/>
+              <a:t>Combination enumeration</a:t>
+            </a:r>
+          </a:p>
+          <a:p>
+            <a:pPr lvl="1"/>
+            <a:r>
+              <a:rPr lang="en-US" sz="1800" b="1" dirty="0"/>
+              <a:t>Subjects</a:t>
+            </a:r>
+            <a:r>
+              <a:rPr lang="en-US" sz="1800" dirty="0"/>
+              <a:t>: Two or more character subjects can be grouped.</a:t>
+            </a:r>
+          </a:p>
+          <a:p>
+            <a:pPr marL="693738" lvl="1" indent="-236538"/>
+            <a:r>
+              <a:rPr lang="en-US" sz="1800" b="1" dirty="0"/>
+              <a:t>Objects</a:t>
+            </a:r>
+            <a:r>
+              <a:rPr lang="en-US" sz="1600" dirty="0"/>
+              <a:t>: </a:t>
+            </a:r>
+            <a:r>
+              <a:rPr lang="en-US" sz="1800" dirty="0"/>
+              <a:t>Objects associated with strong interactions are bound with their subjects while objects associated with weak interactions can be exchanged to another subjects. </a:t>
+            </a:r>
+          </a:p>
+          <a:p>
+            <a:r>
+              <a:rPr lang="en-US" sz="2400" dirty="0"/>
+              <a:t>Propose layer candidates. </a:t>
+            </a:r>
+            <a:r>
+              <a:rPr lang="en-US" sz="1800" dirty="0"/>
+              <a:t>For each triplet (or group), find several layers in the database containing all or part of the mentioned entities, ranked by entity sets </a:t>
+            </a:r>
+            <a:r>
+              <a:rPr lang="en-US" sz="1800" dirty="0" err="1"/>
+              <a:t>mIoU</a:t>
+            </a:r>
+            <a:r>
+              <a:rPr lang="en-US" sz="1800" dirty="0"/>
+              <a:t>, verb relatedness and keyword frequency priors. </a:t>
+            </a:r>
+            <a:r>
+              <a:rPr lang="en-US" sz="1800" dirty="0" err="1"/>
+              <a:t>ConceptNet</a:t>
+            </a:r>
+            <a:r>
+              <a:rPr lang="en-US" sz="1800" dirty="0"/>
+              <a:t> is utilized.</a:t>
+            </a:r>
+          </a:p>
+          <a:p>
+            <a:r>
+              <a:rPr lang="en-US" sz="2400" dirty="0"/>
+              <a:t>Global optimization. </a:t>
+            </a:r>
+            <a:r>
+              <a:rPr lang="en-US" sz="1800" dirty="0"/>
+              <a:t>Find the layer combination with maximized inter-category layer relatedness, based on the collocates in the picture base. This step can be replaced by a picture reasonability discriminator.</a:t>
+            </a:r>
+          </a:p>
+        </p:txBody>
+      </p:sp>
+      <p:sp>
+        <p:nvSpPr>
+          <p:cNvPr id="4" name="TextBox 3">
+            <a:extLst>
+              <a:ext uri="{FF2B5EF4-FFF2-40B4-BE49-F238E27FC236}">
+                <a16:creationId xmlns:a16="http://schemas.microsoft.com/office/drawing/2014/main" id="{34F16B8E-D0D1-8D44-A300-75C053149082}"/>
+              </a:ext>
+            </a:extLst>
+          </p:cNvPr>
+          <p:cNvSpPr txBox="1"/>
+          <p:nvPr/>
+        </p:nvSpPr>
+        <p:spPr>
+          <a:xfrm>
+            <a:off x="2248525" y="6985416"/>
+            <a:ext cx="184731" cy="369332"/>
+          </a:xfrm>
+          <a:prstGeom prst="rect">
+            <a:avLst/>
+          </a:prstGeom>
+          <a:noFill/>
+        </p:spPr>
+        <p:txBody>
+          <a:bodyPr wrap="none" rtlCol="0">
+            <a:spAutoFit/>
+          </a:bodyPr>
+          <a:lstStyle/>
+          <a:p>
+            <a:endParaRPr lang="en-US" dirty="0"/>
           </a:p>
         </p:txBody>
       </p:sp>
     </p:spTree>
     <p:extLst>
       <p:ext uri="{BB962C8B-B14F-4D97-AF65-F5344CB8AC3E}">
-        <p14:creationId xmlns:p14="http://schemas.microsoft.com/office/powerpoint/2010/main" val="4145866174"/>
+        <p14:creationId xmlns:p14="http://schemas.microsoft.com/office/powerpoint/2010/main" val="867404721"/>
       </p:ext>
     </p:extLst>
   </p:cSld>
@@ -4321,6 +4399,127 @@
           <a:p>
             <a:r>
               <a:rPr lang="en-US" dirty="0"/>
+              <a:t>Problem</a:t>
+            </a:r>
+          </a:p>
+        </p:txBody>
+      </p:sp>
+      <p:sp>
+        <p:nvSpPr>
+          <p:cNvPr id="3" name="Content Placeholder 2">
+            <a:extLst>
+              <a:ext uri="{FF2B5EF4-FFF2-40B4-BE49-F238E27FC236}">
+                <a16:creationId xmlns:a16="http://schemas.microsoft.com/office/drawing/2014/main" id="{5985F766-8528-1D44-AEDC-E37A59F413E0}"/>
+              </a:ext>
+            </a:extLst>
+          </p:cNvPr>
+          <p:cNvSpPr>
+            <a:spLocks noGrp="1"/>
+          </p:cNvSpPr>
+          <p:nvPr>
+            <p:ph idx="1"/>
+          </p:nvPr>
+        </p:nvSpPr>
+        <p:spPr/>
+        <p:txBody>
+          <a:bodyPr/>
+          <a:lstStyle/>
+          <a:p>
+            <a:r>
+              <a:rPr lang="en-US" dirty="0"/>
+              <a:t>Entities in the description are not included in the layer base. </a:t>
+            </a:r>
+          </a:p>
+          <a:p>
+            <a:pPr>
+              <a:tabLst>
+                <a:tab pos="3990975" algn="l"/>
+              </a:tabLst>
+            </a:pPr>
+            <a:r>
+              <a:rPr lang="en-US" dirty="0"/>
+              <a:t>Entities in the picture are not mentioned in the description. Background and most accessories will never be explicitly mentioned. </a:t>
+            </a:r>
+          </a:p>
+          <a:p>
+            <a:r>
+              <a:rPr lang="en-US" dirty="0"/>
+              <a:t>Tokens referring to the same object mismatch when binding words in description to keywords</a:t>
+            </a:r>
+          </a:p>
+          <a:p>
+            <a:r>
+              <a:rPr lang="en-US" dirty="0"/>
+              <a:t>Improper partition. Whether or not to group two entities in the same layer is ambiguous.</a:t>
+            </a:r>
+          </a:p>
+          <a:p>
+            <a:r>
+              <a:rPr lang="en-US" dirty="0"/>
+              <a:t>Measure word not considered</a:t>
+            </a:r>
+          </a:p>
+          <a:p>
+            <a:r>
+              <a:rPr lang="en-US" dirty="0"/>
+              <a:t>Query efficiency</a:t>
+            </a:r>
+          </a:p>
+        </p:txBody>
+      </p:sp>
+    </p:spTree>
+    <p:extLst>
+      <p:ext uri="{BB962C8B-B14F-4D97-AF65-F5344CB8AC3E}">
+        <p14:creationId xmlns:p14="http://schemas.microsoft.com/office/powerpoint/2010/main" val="4145866174"/>
+      </p:ext>
+    </p:extLst>
+  </p:cSld>
+  <p:clrMapOvr>
+    <a:masterClrMapping/>
+  </p:clrMapOvr>
+</p:sld>
+</file>
+
+<file path=ppt/slides/slide6.xml><?xml version="1.0" encoding="utf-8"?>
+<p:sld xmlns:a="http://schemas.openxmlformats.org/drawingml/2006/main" xmlns:r="http://schemas.openxmlformats.org/officeDocument/2006/relationships" xmlns:p="http://schemas.openxmlformats.org/presentationml/2006/main">
+  <p:cSld>
+    <p:spTree>
+      <p:nvGrpSpPr>
+        <p:cNvPr id="1" name=""/>
+        <p:cNvGrpSpPr/>
+        <p:nvPr/>
+      </p:nvGrpSpPr>
+      <p:grpSpPr>
+        <a:xfrm>
+          <a:off x="0" y="0"/>
+          <a:ext cx="0" cy="0"/>
+          <a:chOff x="0" y="0"/>
+          <a:chExt cx="0" cy="0"/>
+        </a:xfrm>
+      </p:grpSpPr>
+      <p:sp>
+        <p:nvSpPr>
+          <p:cNvPr id="2" name="Title 1">
+            <a:extLst>
+              <a:ext uri="{FF2B5EF4-FFF2-40B4-BE49-F238E27FC236}">
+                <a16:creationId xmlns:a16="http://schemas.microsoft.com/office/drawing/2014/main" id="{D5894138-D214-074F-A4BF-D05DC028AAC6}"/>
+              </a:ext>
+            </a:extLst>
+          </p:cNvPr>
+          <p:cNvSpPr>
+            <a:spLocks noGrp="1"/>
+          </p:cNvSpPr>
+          <p:nvPr>
+            <p:ph type="title"/>
+          </p:nvPr>
+        </p:nvSpPr>
+        <p:spPr/>
+        <p:txBody>
+          <a:bodyPr/>
+          <a:lstStyle/>
+          <a:p>
+            <a:r>
+              <a:rPr lang="en-US" dirty="0"/>
               <a:t>Skills</a:t>
             </a:r>
           </a:p>
@@ -4394,7 +4593,7 @@
 </p:sld>
 </file>
 
-<file path=ppt/slides/slide6.xml><?xml version="1.0" encoding="utf-8"?>
+<file path=ppt/slides/slide7.xml><?xml version="1.0" encoding="utf-8"?>
 <p:sld xmlns:a="http://schemas.openxmlformats.org/drawingml/2006/main" xmlns:r="http://schemas.openxmlformats.org/officeDocument/2006/relationships" xmlns:p="http://schemas.openxmlformats.org/presentationml/2006/main">
   <p:cSld>
     <p:spTree>
